--- a/presentations/Open Web Foundry - Community Spotlight.pptx
+++ b/presentations/Open Web Foundry - Community Spotlight.pptx
@@ -5483,8 +5483,8 @@
         </p:nvSpPr>
         <p:spPr>
           <a:xfrm>
-            <a:off x="1981080" y="380880"/>
-            <a:ext cx="9371880" cy="1294560"/>
+            <a:off x="609480" y="273600"/>
+            <a:ext cx="10972080" cy="1144440"/>
           </a:xfrm>
           <a:prstGeom prst="rect">
             <a:avLst/>
@@ -5520,7 +5520,7 @@
         <p:spPr>
           <a:xfrm>
             <a:off x="609480" y="1604520"/>
-            <a:ext cx="10972440" cy="3977280"/>
+            <a:ext cx="10972080" cy="3976920"/>
           </a:xfrm>
           <a:prstGeom prst="rect">
             <a:avLst/>
@@ -5543,12 +5543,12 @@
               <a:buChar char=""/>
             </a:pPr>
             <a:r>
-              <a:rPr b="0" lang="en-US" sz="3200" spc="-1" strike="noStrike">
+              <a:rPr b="0" lang="en-US" sz="1800" spc="-1" strike="noStrike">
                 <a:latin typeface="Arial"/>
               </a:rPr>
               <a:t>Click to edit the outline text format</a:t>
             </a:r>
-            <a:endParaRPr b="0" lang="en-US" sz="3200" spc="-1" strike="noStrike">
+            <a:endParaRPr b="0" lang="en-US" sz="1800" spc="-1" strike="noStrike">
               <a:latin typeface="Arial"/>
             </a:endParaRPr>
           </a:p>
@@ -5565,12 +5565,12 @@
               <a:buChar char=""/>
             </a:pPr>
             <a:r>
-              <a:rPr b="0" lang="en-US" sz="2800" spc="-1" strike="noStrike">
+              <a:rPr b="0" lang="en-US" sz="1800" spc="-1" strike="noStrike">
                 <a:latin typeface="Arial"/>
               </a:rPr>
               <a:t>Second Outline Level</a:t>
             </a:r>
-            <a:endParaRPr b="0" lang="en-US" sz="2800" spc="-1" strike="noStrike">
+            <a:endParaRPr b="0" lang="en-US" sz="1800" spc="-1" strike="noStrike">
               <a:latin typeface="Arial"/>
             </a:endParaRPr>
           </a:p>
@@ -5587,12 +5587,12 @@
               <a:buChar char=""/>
             </a:pPr>
             <a:r>
-              <a:rPr b="0" lang="en-US" sz="2400" spc="-1" strike="noStrike">
+              <a:rPr b="0" lang="en-US" sz="1800" spc="-1" strike="noStrike">
                 <a:latin typeface="Arial"/>
               </a:rPr>
               <a:t>Third Outline Level</a:t>
             </a:r>
-            <a:endParaRPr b="0" lang="en-US" sz="2400" spc="-1" strike="noStrike">
+            <a:endParaRPr b="0" lang="en-US" sz="1800" spc="-1" strike="noStrike">
               <a:latin typeface="Arial"/>
             </a:endParaRPr>
           </a:p>
@@ -5609,12 +5609,12 @@
               <a:buChar char=""/>
             </a:pPr>
             <a:r>
-              <a:rPr b="0" lang="en-US" sz="2000" spc="-1" strike="noStrike">
+              <a:rPr b="0" lang="en-US" sz="1800" spc="-1" strike="noStrike">
                 <a:latin typeface="Arial"/>
               </a:rPr>
               <a:t>Fourth Outline Level</a:t>
             </a:r>
-            <a:endParaRPr b="0" lang="en-US" sz="2000" spc="-1" strike="noStrike">
+            <a:endParaRPr b="0" lang="en-US" sz="1800" spc="-1" strike="noStrike">
               <a:latin typeface="Arial"/>
             </a:endParaRPr>
           </a:p>
@@ -5631,12 +5631,12 @@
               <a:buChar char=""/>
             </a:pPr>
             <a:r>
-              <a:rPr b="0" lang="en-US" sz="2000" spc="-1" strike="noStrike">
+              <a:rPr b="0" lang="en-US" sz="1800" spc="-1" strike="noStrike">
                 <a:latin typeface="Arial"/>
               </a:rPr>
               <a:t>Fifth Outline Level</a:t>
             </a:r>
-            <a:endParaRPr b="0" lang="en-US" sz="2000" spc="-1" strike="noStrike">
+            <a:endParaRPr b="0" lang="en-US" sz="1800" spc="-1" strike="noStrike">
               <a:latin typeface="Arial"/>
             </a:endParaRPr>
           </a:p>
@@ -5653,12 +5653,12 @@
               <a:buChar char=""/>
             </a:pPr>
             <a:r>
-              <a:rPr b="0" lang="en-US" sz="2000" spc="-1" strike="noStrike">
+              <a:rPr b="0" lang="en-US" sz="1800" spc="-1" strike="noStrike">
                 <a:latin typeface="Arial"/>
               </a:rPr>
               <a:t>Sixth Outline Level</a:t>
             </a:r>
-            <a:endParaRPr b="0" lang="en-US" sz="2000" spc="-1" strike="noStrike">
+            <a:endParaRPr b="0" lang="en-US" sz="1800" spc="-1" strike="noStrike">
               <a:latin typeface="Arial"/>
             </a:endParaRPr>
           </a:p>
@@ -5675,12 +5675,12 @@
               <a:buChar char=""/>
             </a:pPr>
             <a:r>
-              <a:rPr b="0" lang="en-US" sz="2000" spc="-1" strike="noStrike">
+              <a:rPr b="0" lang="en-US" sz="1800" spc="-1" strike="noStrike">
                 <a:latin typeface="Arial"/>
               </a:rPr>
               <a:t>Seventh Outline Level</a:t>
             </a:r>
-            <a:endParaRPr b="0" lang="en-US" sz="2000" spc="-1" strike="noStrike">
+            <a:endParaRPr b="0" lang="en-US" sz="1800" spc="-1" strike="noStrike">
               <a:latin typeface="Arial"/>
             </a:endParaRPr>
           </a:p>
@@ -6265,8 +6265,8 @@
         </p:nvSpPr>
         <p:spPr>
           <a:xfrm>
-            <a:off x="1981080" y="380880"/>
-            <a:ext cx="9371880" cy="1294560"/>
+            <a:off x="609480" y="273600"/>
+            <a:ext cx="10972080" cy="1144440"/>
           </a:xfrm>
           <a:prstGeom prst="rect">
             <a:avLst/>
@@ -6514,7 +6514,7 @@
         <p:spPr>
           <a:xfrm>
             <a:off x="1230480" y="4890600"/>
-            <a:ext cx="5857560" cy="698760"/>
+            <a:ext cx="5857200" cy="698400"/>
           </a:xfrm>
           <a:prstGeom prst="rect">
             <a:avLst/>
@@ -6532,7 +6532,7 @@
         </p:style>
         <p:txBody>
           <a:bodyPr lIns="90000" rIns="90000" tIns="45000" bIns="45000">
-            <a:normAutofit fontScale="31000"/>
+            <a:normAutofit fontScale="28000"/>
           </a:bodyPr>
           <a:p>
             <a:pPr>
@@ -6549,6 +6549,7 @@
                   <a:srgbClr val="404040"/>
                 </a:solidFill>
                 <a:latin typeface="Calibri"/>
+                <a:ea typeface="DejaVu Sans"/>
               </a:rPr>
               <a:t>Decentralized Relational Database on Arweave</a:t>
             </a:r>
@@ -6572,6 +6573,7 @@
                   <a:srgbClr val="404040"/>
                 </a:solidFill>
                 <a:latin typeface="Calibri"/>
+                <a:ea typeface="DejaVu Sans"/>
               </a:rPr>
               <a:t>Artem Shamsutdinov</a:t>
             </a:r>
@@ -6594,7 +6596,7 @@
         <p:spPr>
           <a:xfrm>
             <a:off x="630000" y="648720"/>
-            <a:ext cx="7188120" cy="3972960"/>
+            <a:ext cx="7187760" cy="3972600"/>
           </a:xfrm>
           <a:prstGeom prst="rect">
             <a:avLst/>
@@ -6647,7 +6649,7 @@
         <p:spPr>
           <a:xfrm>
             <a:off x="1981080" y="380880"/>
-            <a:ext cx="9371880" cy="1294560"/>
+            <a:ext cx="9371520" cy="1294200"/>
           </a:xfrm>
           <a:prstGeom prst="rect">
             <a:avLst/>
@@ -6679,6 +6681,7 @@
                   <a:srgbClr val="00778d"/>
                 </a:solidFill>
                 <a:latin typeface="Calibri"/>
+                <a:ea typeface="DejaVu Sans"/>
               </a:rPr>
               <a:t>History</a:t>
             </a:r>
@@ -6697,7 +6700,7 @@
         <p:spPr>
           <a:xfrm>
             <a:off x="1981080" y="1987560"/>
-            <a:ext cx="9371880" cy="4482360"/>
+            <a:ext cx="9371520" cy="4482000"/>
           </a:xfrm>
           <a:prstGeom prst="rect">
             <a:avLst/>
@@ -6718,7 +6721,7 @@
             <a:noAutofit/>
           </a:bodyPr>
           <a:p>
-            <a:pPr marL="274320" indent="-273600">
+            <a:pPr marL="274320" indent="-273240">
               <a:lnSpc>
                 <a:spcPct val="90000"/>
               </a:lnSpc>
@@ -6737,6 +6740,7 @@
                   <a:srgbClr val="404040"/>
                 </a:solidFill>
                 <a:latin typeface="Calibri"/>
+                <a:ea typeface="DejaVu Sans"/>
               </a:rPr>
               <a:t>Wrote Family Organizer app in 2015</a:t>
             </a:r>
@@ -6745,7 +6749,7 @@
             </a:endParaRPr>
           </a:p>
           <a:p>
-            <a:pPr marL="274320" indent="-273600">
+            <a:pPr marL="274320" indent="-273240">
               <a:lnSpc>
                 <a:spcPct val="90000"/>
               </a:lnSpc>
@@ -6764,15 +6768,16 @@
                   <a:srgbClr val="404040"/>
                 </a:solidFill>
                 <a:latin typeface="Calibri"/>
+                <a:ea typeface="DejaVu Sans"/>
               </a:rPr>
-              <a:t>Centralized server was required  - not acceptable for families to give up data</a:t>
+              <a:t>Centralized server was required  - not acceptable to give up family data</a:t>
             </a:r>
             <a:endParaRPr b="0" lang="en-US" sz="2400" spc="-1" strike="noStrike">
               <a:latin typeface="Arial"/>
             </a:endParaRPr>
           </a:p>
           <a:p>
-            <a:pPr marL="274320" indent="-273600">
+            <a:pPr marL="274320" indent="-273240">
               <a:lnSpc>
                 <a:spcPct val="90000"/>
               </a:lnSpc>
@@ -6791,24 +6796,16 @@
                   <a:srgbClr val="404040"/>
                 </a:solidFill>
                 <a:latin typeface="Calibri"/>
+                <a:ea typeface="DejaVu Sans"/>
               </a:rPr>
-              <a:t>Started writing AIRport </a:t>
-            </a:r>
-            <a:r>
-              <a:rPr b="0" lang="en-US" sz="2400" spc="-1" strike="noStrike">
-                <a:solidFill>
-                  <a:srgbClr val="404040"/>
-                </a:solidFill>
-                <a:latin typeface="Calibri"/>
-              </a:rPr>
-              <a:t>in 2016 with a very small scope</a:t>
+              <a:t>Started writing AIRport in 2016 with a very small scope</a:t>
             </a:r>
             <a:endParaRPr b="0" lang="en-US" sz="2400" spc="-1" strike="noStrike">
               <a:latin typeface="Arial"/>
             </a:endParaRPr>
           </a:p>
           <a:p>
-            <a:pPr marL="274320" indent="-273600">
+            <a:pPr marL="274320" indent="-273240">
               <a:lnSpc>
                 <a:spcPct val="90000"/>
               </a:lnSpc>
@@ -6827,6 +6824,7 @@
                   <a:srgbClr val="404040"/>
                 </a:solidFill>
                 <a:latin typeface="Calibri"/>
+                <a:ea typeface="DejaVu Sans"/>
               </a:rPr>
               <a:t>Kept evolving until it reached multi-App phase</a:t>
             </a:r>
@@ -6879,7 +6877,7 @@
         <p:spPr>
           <a:xfrm>
             <a:off x="1981080" y="380880"/>
-            <a:ext cx="9371880" cy="1294560"/>
+            <a:ext cx="9371520" cy="1294200"/>
           </a:xfrm>
           <a:prstGeom prst="rect">
             <a:avLst/>
@@ -6911,6 +6909,7 @@
                   <a:srgbClr val="00778d"/>
                 </a:solidFill>
                 <a:latin typeface="Calibri"/>
+                <a:ea typeface="DejaVu Sans"/>
               </a:rPr>
               <a:t>Summary</a:t>
             </a:r>
@@ -6929,7 +6928,7 @@
         <p:spPr>
           <a:xfrm>
             <a:off x="1981080" y="1679400"/>
-            <a:ext cx="4571280" cy="829800"/>
+            <a:ext cx="4570920" cy="829440"/>
           </a:xfrm>
           <a:prstGeom prst="rect">
             <a:avLst/>
@@ -6964,6 +6963,7 @@
                   <a:srgbClr val="404040"/>
                 </a:solidFill>
                 <a:latin typeface="Calibri"/>
+                <a:ea typeface="DejaVu Sans"/>
               </a:rPr>
               <a:t>Why have a database framework?</a:t>
             </a:r>
@@ -6982,7 +6982,7 @@
         <p:spPr>
           <a:xfrm>
             <a:off x="1981080" y="2509920"/>
-            <a:ext cx="4571280" cy="3966480"/>
+            <a:ext cx="4570920" cy="3966120"/>
           </a:xfrm>
           <a:prstGeom prst="rect">
             <a:avLst/>
@@ -7003,7 +7003,7 @@
             <a:normAutofit/>
           </a:bodyPr>
           <a:p>
-            <a:pPr marL="274320" indent="-273600">
+            <a:pPr marL="274320" indent="-273240">
               <a:lnSpc>
                 <a:spcPct val="90000"/>
               </a:lnSpc>
@@ -7022,6 +7022,7 @@
                   <a:srgbClr val="24292e"/>
                 </a:solidFill>
                 <a:latin typeface="-apple-system"/>
+                <a:ea typeface="DejaVu Sans"/>
               </a:rPr>
               <a:t>Developers like RDBMSs</a:t>
             </a:r>
@@ -7030,7 +7031,7 @@
             </a:endParaRPr>
           </a:p>
           <a:p>
-            <a:pPr marL="274320" indent="-273600">
+            <a:pPr marL="274320" indent="-273240">
               <a:lnSpc>
                 <a:spcPct val="90000"/>
               </a:lnSpc>
@@ -7049,6 +7050,7 @@
                   <a:srgbClr val="24292e"/>
                 </a:solidFill>
                 <a:latin typeface="-apple-system"/>
+                <a:ea typeface="DejaVu Sans"/>
               </a:rPr>
               <a:t>Users share data</a:t>
             </a:r>
@@ -7057,7 +7059,7 @@
             </a:endParaRPr>
           </a:p>
           <a:p>
-            <a:pPr marL="274320" indent="-273600">
+            <a:pPr marL="274320" indent="-273240">
               <a:lnSpc>
                 <a:spcPct val="90000"/>
               </a:lnSpc>
@@ -7076,6 +7078,7 @@
                   <a:srgbClr val="24292e"/>
                 </a:solidFill>
                 <a:latin typeface="-apple-system"/>
+                <a:ea typeface="DejaVu Sans"/>
               </a:rPr>
               <a:t>Apps share data – cross App synergies</a:t>
             </a:r>
@@ -7084,7 +7087,7 @@
             </a:endParaRPr>
           </a:p>
           <a:p>
-            <a:pPr marL="274320" indent="-273600">
+            <a:pPr marL="274320" indent="-273240">
               <a:lnSpc>
                 <a:spcPct val="90000"/>
               </a:lnSpc>
@@ -7103,6 +7106,7 @@
                   <a:srgbClr val="24292e"/>
                 </a:solidFill>
                 <a:latin typeface="-apple-system"/>
+                <a:ea typeface="DejaVu Sans"/>
               </a:rPr>
               <a:t>New apps access existing data</a:t>
             </a:r>
@@ -7111,7 +7115,7 @@
             </a:endParaRPr>
           </a:p>
           <a:p>
-            <a:pPr marL="274320" indent="-273600">
+            <a:pPr marL="274320" indent="-273240">
               <a:lnSpc>
                 <a:spcPct val="90000"/>
               </a:lnSpc>
@@ -7130,6 +7134,7 @@
                   <a:srgbClr val="24292e"/>
                 </a:solidFill>
                 <a:latin typeface="-apple-system"/>
+                <a:ea typeface="DejaVu Sans"/>
               </a:rPr>
               <a:t>Hybrid decentralized/centralized applications</a:t>
             </a:r>
@@ -7164,7 +7169,7 @@
         <p:spPr>
           <a:xfrm>
             <a:off x="6781680" y="1679400"/>
-            <a:ext cx="4571280" cy="829800"/>
+            <a:ext cx="4570920" cy="829440"/>
           </a:xfrm>
           <a:prstGeom prst="rect">
             <a:avLst/>
@@ -7199,6 +7204,7 @@
                   <a:srgbClr val="404040"/>
                 </a:solidFill>
                 <a:latin typeface="Calibri"/>
+                <a:ea typeface="DejaVu Sans"/>
               </a:rPr>
               <a:t>How?</a:t>
             </a:r>
@@ -7217,7 +7223,7 @@
         <p:spPr>
           <a:xfrm>
             <a:off x="6781680" y="2509920"/>
-            <a:ext cx="4571280" cy="3966480"/>
+            <a:ext cx="4570920" cy="3966120"/>
           </a:xfrm>
           <a:prstGeom prst="rect">
             <a:avLst/>
@@ -7238,7 +7244,7 @@
             <a:normAutofit/>
           </a:bodyPr>
           <a:p>
-            <a:pPr marL="274320" indent="-273600">
+            <a:pPr marL="274320" indent="-273240">
               <a:lnSpc>
                 <a:spcPct val="90000"/>
               </a:lnSpc>
@@ -7257,6 +7263,7 @@
                   <a:srgbClr val="404040"/>
                 </a:solidFill>
                 <a:latin typeface="Calibri"/>
+                <a:ea typeface="DejaVu Sans"/>
               </a:rPr>
               <a:t>Virtual Repositories</a:t>
             </a:r>
@@ -7265,7 +7272,7 @@
             </a:endParaRPr>
           </a:p>
           <a:p>
-            <a:pPr marL="274320" indent="-273600">
+            <a:pPr marL="274320" indent="-273240">
               <a:lnSpc>
                 <a:spcPct val="90000"/>
               </a:lnSpc>
@@ -7284,6 +7291,7 @@
                   <a:srgbClr val="404040"/>
                 </a:solidFill>
                 <a:latin typeface="Calibri"/>
+                <a:ea typeface="DejaVu Sans"/>
               </a:rPr>
               <a:t>Database on each end-user device</a:t>
             </a:r>
@@ -7340,7 +7348,7 @@
         <p:spPr>
           <a:xfrm>
             <a:off x="1658160" y="0"/>
-            <a:ext cx="8875080" cy="6857280"/>
+            <a:ext cx="8874720" cy="6856920"/>
           </a:xfrm>
           <a:prstGeom prst="rect">
             <a:avLst/>
@@ -7393,7 +7401,7 @@
         <p:spPr>
           <a:xfrm>
             <a:off x="1981080" y="380880"/>
-            <a:ext cx="9371880" cy="1294560"/>
+            <a:ext cx="9371520" cy="1294200"/>
           </a:xfrm>
           <a:prstGeom prst="rect">
             <a:avLst/>
@@ -7425,6 +7433,7 @@
                   <a:srgbClr val="00778d"/>
                 </a:solidFill>
                 <a:latin typeface="Calibri"/>
+                <a:ea typeface="DejaVu Sans"/>
               </a:rPr>
               <a:t>App collaboration &amp; data reuse</a:t>
             </a:r>
@@ -7443,7 +7452,7 @@
         <p:spPr>
           <a:xfrm>
             <a:off x="1981080" y="1987560"/>
-            <a:ext cx="9371880" cy="4482360"/>
+            <a:ext cx="9371520" cy="4482000"/>
           </a:xfrm>
           <a:prstGeom prst="rect">
             <a:avLst/>
@@ -7464,7 +7473,7 @@
             <a:noAutofit/>
           </a:bodyPr>
           <a:p>
-            <a:pPr marL="274320" indent="-273600">
+            <a:pPr marL="274320" indent="-273240">
               <a:lnSpc>
                 <a:spcPct val="90000"/>
               </a:lnSpc>
@@ -7483,6 +7492,7 @@
                   <a:srgbClr val="24292e"/>
                 </a:solidFill>
                 <a:latin typeface="-apple-system"/>
+                <a:ea typeface="DejaVu Sans"/>
               </a:rPr>
               <a:t>User control their data – per repository</a:t>
             </a:r>
@@ -7491,7 +7501,7 @@
             </a:endParaRPr>
           </a:p>
           <a:p>
-            <a:pPr marL="274320" indent="-273600">
+            <a:pPr marL="274320" indent="-273240">
               <a:lnSpc>
                 <a:spcPct val="90000"/>
               </a:lnSpc>
@@ -7510,6 +7520,7 @@
                   <a:srgbClr val="24292e"/>
                 </a:solidFill>
                 <a:latin typeface="-apple-system"/>
+                <a:ea typeface="DejaVu Sans"/>
               </a:rPr>
               <a:t>Apps are in control of sharing schemas with other applications</a:t>
             </a:r>
@@ -7518,7 +7529,7 @@
             </a:endParaRPr>
           </a:p>
           <a:p>
-            <a:pPr marL="274320" indent="-273600">
+            <a:pPr marL="274320" indent="-273240">
               <a:lnSpc>
                 <a:spcPct val="90000"/>
               </a:lnSpc>
@@ -7537,6 +7548,7 @@
                   <a:srgbClr val="24292e"/>
                 </a:solidFill>
                 <a:latin typeface="-apple-system"/>
+                <a:ea typeface="DejaVu Sans"/>
               </a:rPr>
               <a:t>Promotes small complementary Apps</a:t>
             </a:r>
@@ -7589,7 +7601,7 @@
         <p:spPr>
           <a:xfrm>
             <a:off x="1981080" y="380880"/>
-            <a:ext cx="9371880" cy="1294560"/>
+            <a:ext cx="9371520" cy="1294200"/>
           </a:xfrm>
           <a:prstGeom prst="rect">
             <a:avLst/>
@@ -7621,6 +7633,7 @@
                   <a:srgbClr val="00778d"/>
                 </a:solidFill>
                 <a:latin typeface="Calibri"/>
+                <a:ea typeface="DejaVu Sans"/>
               </a:rPr>
               <a:t>Economics - incentives</a:t>
             </a:r>
@@ -7639,7 +7652,7 @@
         <p:spPr>
           <a:xfrm>
             <a:off x="1981080" y="1987560"/>
-            <a:ext cx="9371880" cy="4482360"/>
+            <a:ext cx="9371520" cy="4482000"/>
           </a:xfrm>
           <a:prstGeom prst="rect">
             <a:avLst/>
@@ -7660,7 +7673,7 @@
             <a:noAutofit/>
           </a:bodyPr>
           <a:p>
-            <a:pPr marL="274320" indent="-273600">
+            <a:pPr marL="274320" indent="-273240">
               <a:lnSpc>
                 <a:spcPct val="90000"/>
               </a:lnSpc>
@@ -7679,6 +7692,7 @@
                   <a:srgbClr val="24292e"/>
                 </a:solidFill>
                 <a:latin typeface="-apple-system"/>
+                <a:ea typeface="DejaVu Sans"/>
               </a:rPr>
               <a:t>App Users – keep data private, remove per-App data duplication, profit sharing</a:t>
             </a:r>
@@ -7687,7 +7701,7 @@
             </a:endParaRPr>
           </a:p>
           <a:p>
-            <a:pPr marL="274320" indent="-273600">
+            <a:pPr marL="274320" indent="-273240">
               <a:lnSpc>
                 <a:spcPct val="90000"/>
               </a:lnSpc>
@@ -7706,6 +7720,7 @@
                   <a:srgbClr val="24292e"/>
                 </a:solidFill>
                 <a:latin typeface="-apple-system"/>
+                <a:ea typeface="DejaVu Sans"/>
               </a:rPr>
               <a:t>App Creators – profits from apps, focus on apps not framework</a:t>
             </a:r>
@@ -7714,7 +7729,7 @@
             </a:endParaRPr>
           </a:p>
           <a:p>
-            <a:pPr marL="274320" indent="-273600">
+            <a:pPr marL="274320" indent="-273240">
               <a:lnSpc>
                 <a:spcPct val="90000"/>
               </a:lnSpc>
@@ -7733,6 +7748,7 @@
                   <a:srgbClr val="24292e"/>
                 </a:solidFill>
                 <a:latin typeface="-apple-system"/>
+                <a:ea typeface="DejaVu Sans"/>
               </a:rPr>
               <a:t>AIRport – attract App developers to platform</a:t>
             </a:r>
@@ -7785,7 +7801,7 @@
         <p:spPr>
           <a:xfrm>
             <a:off x="1981080" y="380880"/>
-            <a:ext cx="9371880" cy="1294560"/>
+            <a:ext cx="9371520" cy="1294200"/>
           </a:xfrm>
           <a:prstGeom prst="rect">
             <a:avLst/>
@@ -7817,6 +7833,7 @@
                   <a:srgbClr val="00778d"/>
                 </a:solidFill>
                 <a:latin typeface="Calibri"/>
+                <a:ea typeface="DejaVu Sans"/>
               </a:rPr>
               <a:t>Economics - Monetization</a:t>
             </a:r>
@@ -7835,7 +7852,7 @@
         <p:spPr>
           <a:xfrm>
             <a:off x="1981080" y="1987560"/>
-            <a:ext cx="9371880" cy="4482360"/>
+            <a:ext cx="9371520" cy="4482000"/>
           </a:xfrm>
           <a:prstGeom prst="rect">
             <a:avLst/>
@@ -7856,7 +7873,7 @@
             <a:noAutofit/>
           </a:bodyPr>
           <a:p>
-            <a:pPr marL="274320" indent="-273600">
+            <a:pPr marL="274320" indent="-273240">
               <a:lnSpc>
                 <a:spcPct val="90000"/>
               </a:lnSpc>
@@ -7875,6 +7892,7 @@
                   <a:srgbClr val="24292e"/>
                 </a:solidFill>
                 <a:latin typeface="-apple-system"/>
+                <a:ea typeface="DejaVu Sans"/>
               </a:rPr>
               <a:t>Decentralized Ads – “advertisement is an engine of progress”</a:t>
             </a:r>
@@ -7883,7 +7901,7 @@
             </a:endParaRPr>
           </a:p>
           <a:p>
-            <a:pPr marL="274320" indent="-273600">
+            <a:pPr marL="274320" indent="-273240">
               <a:lnSpc>
                 <a:spcPct val="90000"/>
               </a:lnSpc>
@@ -7902,6 +7920,7 @@
                   <a:srgbClr val="24292e"/>
                 </a:solidFill>
                 <a:latin typeface="-apple-system"/>
+                <a:ea typeface="DejaVu Sans"/>
               </a:rPr>
               <a:t>Ads aren’t bad (albeit annoying) if data is kept private</a:t>
             </a:r>
@@ -7910,7 +7929,7 @@
             </a:endParaRPr>
           </a:p>
           <a:p>
-            <a:pPr marL="274320" indent="-273600">
+            <a:pPr marL="274320" indent="-273240">
               <a:lnSpc>
                 <a:spcPct val="90000"/>
               </a:lnSpc>
@@ -7929,6 +7948,7 @@
                   <a:srgbClr val="24292e"/>
                 </a:solidFill>
                 <a:latin typeface="-apple-system"/>
+                <a:ea typeface="DejaVu Sans"/>
               </a:rPr>
               <a:t>Fee model – opt out of Ads</a:t>
             </a:r>
@@ -7937,7 +7957,7 @@
             </a:endParaRPr>
           </a:p>
           <a:p>
-            <a:pPr marL="274320" indent="-273600">
+            <a:pPr marL="274320" indent="-273240">
               <a:lnSpc>
                 <a:spcPct val="90000"/>
               </a:lnSpc>
@@ -7956,6 +7976,7 @@
                   <a:srgbClr val="24292e"/>
                 </a:solidFill>
                 <a:latin typeface="-apple-system"/>
+                <a:ea typeface="DejaVu Sans"/>
               </a:rPr>
               <a:t>Profit sharing – all 3 parties get a cut of Ad revenue</a:t>
             </a:r>
@@ -8008,7 +8029,7 @@
         <p:spPr>
           <a:xfrm>
             <a:off x="1981080" y="380880"/>
-            <a:ext cx="9371880" cy="1294560"/>
+            <a:ext cx="9371520" cy="1294200"/>
           </a:xfrm>
           <a:prstGeom prst="rect">
             <a:avLst/>
@@ -8040,6 +8061,7 @@
                   <a:srgbClr val="00778d"/>
                 </a:solidFill>
                 <a:latin typeface="Calibri"/>
+                <a:ea typeface="DejaVu Sans"/>
               </a:rPr>
               <a:t>DeveloPER ProDUCTIVITY FOCUS</a:t>
             </a:r>
@@ -8058,7 +8080,7 @@
         <p:spPr>
           <a:xfrm>
             <a:off x="1981080" y="1987560"/>
-            <a:ext cx="9371880" cy="4482360"/>
+            <a:ext cx="9371520" cy="4482000"/>
           </a:xfrm>
           <a:prstGeom prst="rect">
             <a:avLst/>
@@ -8079,7 +8101,7 @@
             <a:noAutofit/>
           </a:bodyPr>
           <a:p>
-            <a:pPr marL="274320" indent="-273600">
+            <a:pPr marL="274320" indent="-273240">
               <a:lnSpc>
                 <a:spcPct val="90000"/>
               </a:lnSpc>
@@ -8098,6 +8120,7 @@
                   <a:srgbClr val="24292e"/>
                 </a:solidFill>
                 <a:latin typeface="-apple-system"/>
+                <a:ea typeface="DejaVu Sans"/>
               </a:rPr>
               <a:t>Well known relational database standard</a:t>
             </a:r>
@@ -8106,7 +8129,7 @@
             </a:endParaRPr>
           </a:p>
           <a:p>
-            <a:pPr marL="274320" indent="-273600">
+            <a:pPr marL="274320" indent="-273240">
               <a:lnSpc>
                 <a:spcPct val="90000"/>
               </a:lnSpc>
@@ -8125,6 +8148,7 @@
                   <a:srgbClr val="24292e"/>
                 </a:solidFill>
                 <a:latin typeface="-apple-system"/>
+                <a:ea typeface="DejaVu Sans"/>
               </a:rPr>
               <a:t>Decorator/Annotation based ORM</a:t>
             </a:r>
@@ -8133,7 +8157,7 @@
             </a:endParaRPr>
           </a:p>
           <a:p>
-            <a:pPr marL="274320" indent="-273600">
+            <a:pPr marL="274320" indent="-273240">
               <a:lnSpc>
                 <a:spcPct val="90000"/>
               </a:lnSpc>
@@ -8152,6 +8176,7 @@
                   <a:srgbClr val="24292e"/>
                 </a:solidFill>
                 <a:latin typeface="-apple-system"/>
+                <a:ea typeface="DejaVu Sans"/>
               </a:rPr>
               <a:t>“</a:t>
             </a:r>
@@ -8161,6 +8186,7 @@
                   <a:srgbClr val="24292e"/>
                 </a:solidFill>
                 <a:latin typeface="-apple-system"/>
+                <a:ea typeface="DejaVu Sans"/>
               </a:rPr>
               <a:t>Better than Graph QL” – interlinked object graph retrieval</a:t>
             </a:r>
@@ -8169,7 +8195,7 @@
             </a:endParaRPr>
           </a:p>
           <a:p>
-            <a:pPr marL="274320" indent="-273600">
+            <a:pPr marL="274320" indent="-273240">
               <a:lnSpc>
                 <a:spcPct val="90000"/>
               </a:lnSpc>
@@ -8188,6 +8214,7 @@
                   <a:srgbClr val="24292e"/>
                 </a:solidFill>
                 <a:latin typeface="-apple-system"/>
+                <a:ea typeface="DejaVu Sans"/>
               </a:rPr>
               <a:t>Declarative, nested validation rules</a:t>
             </a:r>
@@ -8196,7 +8223,7 @@
             </a:endParaRPr>
           </a:p>
           <a:p>
-            <a:pPr marL="274320" indent="-273600">
+            <a:pPr marL="274320" indent="-273240">
               <a:lnSpc>
                 <a:spcPct val="90000"/>
               </a:lnSpc>
@@ -8215,6 +8242,7 @@
                   <a:srgbClr val="24292e"/>
                 </a:solidFill>
                 <a:latin typeface="-apple-system"/>
+                <a:ea typeface="DejaVu Sans"/>
               </a:rPr>
               <a:t>Shared schema and app logic code, running in V8 isolates</a:t>
             </a:r>
@@ -8223,7 +8251,7 @@
             </a:endParaRPr>
           </a:p>
           <a:p>
-            <a:pPr marL="274320" indent="-273600">
+            <a:pPr marL="274320" indent="-273240">
               <a:lnSpc>
                 <a:spcPct val="90000"/>
               </a:lnSpc>
@@ -8242,6 +8270,7 @@
                   <a:srgbClr val="24292e"/>
                 </a:solidFill>
                 <a:latin typeface="-apple-system"/>
+                <a:ea typeface="DejaVu Sans"/>
               </a:rPr>
               <a:t>Observable data</a:t>
             </a:r>
